--- a/06.Presentation/モレ子プロジェクト.pptx
+++ b/06.Presentation/モレ子プロジェクト.pptx
@@ -5840,17 +5840,17 @@
         <p:spPr/>
         <p:txBody>
           <a:bodyPr>
-            <a:normAutofit fontScale="90000"/>
+            <a:normAutofit/>
           </a:bodyPr>
           <a:lstStyle/>
           <a:p>
             <a:r>
               <a:rPr lang="ja-JP" altLang="en-US" smtClean="0"/>
-              <a:t>新コミュニケーション手法の</a:t>
-            </a:r>
-            <a:r>
-              <a:rPr lang="ja-JP" altLang="en-US"/>
-              <a:t>コンセプト</a:t>
+              <a:t>新コミュニケーション</a:t>
+            </a:r>
+            <a:r>
+              <a:rPr lang="ja-JP" altLang="en-US" smtClean="0"/>
+              <a:t>手法</a:t>
             </a:r>
             <a:endParaRPr kumimoji="1" lang="ja-JP" altLang="en-US"/>
           </a:p>
@@ -5987,7 +5987,7 @@
             </a:r>
             <a:r>
               <a:rPr lang="ja-JP" altLang="en-US" smtClean="0"/>
-              <a:t>、アプリ上だけの</a:t>
+              <a:t>、ネット又は</a:t>
             </a:r>
             <a:r>
               <a:rPr lang="en-US" altLang="ja-JP" smtClean="0"/>
@@ -5998,7 +5998,15 @@
             </a:br>
             <a:r>
               <a:rPr lang="ja-JP" altLang="en-US" smtClean="0"/>
-              <a:t>機能</a:t>
+              <a:t>アプリ上</a:t>
+            </a:r>
+            <a:r>
+              <a:rPr lang="ja-JP" altLang="en-US" smtClean="0"/>
+              <a:t>だけ</a:t>
+            </a:r>
+            <a:r>
+              <a:rPr lang="ja-JP" altLang="en-US" smtClean="0"/>
+              <a:t>の機能</a:t>
             </a:r>
             <a:r>
               <a:rPr lang="ja-JP" altLang="en-US"/>
@@ -6006,7 +6014,7 @@
             </a:r>
             <a:r>
               <a:rPr lang="ja-JP" altLang="en-US" smtClean="0"/>
-              <a:t>。実世界に</a:t>
+              <a:t>。</a:t>
             </a:r>
             <a:r>
               <a:rPr lang="en-US" altLang="ja-JP" smtClean="0"/>
@@ -6016,14 +6024,50 @@
               <a:rPr lang="en-US" altLang="ja-JP" smtClean="0"/>
             </a:br>
             <a:r>
-              <a:rPr lang="ja-JP" altLang="en-US" smtClean="0"/>
-              <a:t>使う</a:t>
-            </a:r>
-            <a:r>
-              <a:rPr lang="ja-JP" altLang="en-US"/>
+              <a:rPr lang="ja-JP" altLang="en-US" b="1" smtClean="0">
+                <a:solidFill>
+                  <a:srgbClr val="0070C0"/>
+                </a:solidFill>
+              </a:rPr>
+              <a:t>実</a:t>
+            </a:r>
+            <a:r>
+              <a:rPr lang="ja-JP" altLang="en-US" b="1" smtClean="0">
+                <a:solidFill>
+                  <a:srgbClr val="0070C0"/>
+                </a:solidFill>
+              </a:rPr>
+              <a:t>世界</a:t>
+            </a:r>
+            <a:r>
+              <a:rPr lang="ja-JP" altLang="en-US" b="1" smtClean="0">
+                <a:solidFill>
+                  <a:srgbClr val="0070C0"/>
+                </a:solidFill>
+              </a:rPr>
+              <a:t>に</a:t>
+            </a:r>
+            <a:r>
+              <a:rPr lang="ja-JP" altLang="en-US" b="1" smtClean="0">
+                <a:solidFill>
+                  <a:srgbClr val="0070C0"/>
+                </a:solidFill>
+              </a:rPr>
+              <a:t>もムード共有できる</a:t>
+            </a:r>
+            <a:r>
+              <a:rPr lang="ja-JP" altLang="en-US" b="1" smtClean="0">
+                <a:solidFill>
+                  <a:srgbClr val="0070C0"/>
+                </a:solidFill>
+              </a:rPr>
               <a:t>。</a:t>
             </a:r>
-            <a:endParaRPr kumimoji="1" lang="ja-JP" altLang="en-US"/>
+            <a:endParaRPr kumimoji="1" lang="ja-JP" altLang="en-US" b="1">
+              <a:solidFill>
+                <a:srgbClr val="0070C0"/>
+              </a:solidFill>
+            </a:endParaRPr>
           </a:p>
         </p:txBody>
       </p:sp>
@@ -7756,7 +7800,7 @@
                                           </p:stCondLst>
                                         </p:cTn>
                                         <p:tgtEl>
-                                          <p:spTgt spid="26"/>
+                                          <p:spTgt spid="31"/>
                                         </p:tgtEl>
                                         <p:attrNameLst>
                                           <p:attrName>style.visibility</p:attrName>
@@ -7770,7 +7814,7 @@
                                       <p:cBhvr>
                                         <p:cTn id="7" dur="500"/>
                                         <p:tgtEl>
-                                          <p:spTgt spid="26"/>
+                                          <p:spTgt spid="31"/>
                                         </p:tgtEl>
                                       </p:cBhvr>
                                     </p:animEffect>
@@ -7809,7 +7853,7 @@
                                           </p:stCondLst>
                                         </p:cTn>
                                         <p:tgtEl>
-                                          <p:spTgt spid="27"/>
+                                          <p:spTgt spid="26"/>
                                         </p:tgtEl>
                                         <p:attrNameLst>
                                           <p:attrName>style.visibility</p:attrName>
@@ -7823,7 +7867,7 @@
                                       <p:cBhvr>
                                         <p:cTn id="12" dur="500"/>
                                         <p:tgtEl>
-                                          <p:spTgt spid="27"/>
+                                          <p:spTgt spid="26"/>
                                         </p:tgtEl>
                                       </p:cBhvr>
                                     </p:animEffect>
@@ -7862,7 +7906,7 @@
                                           </p:stCondLst>
                                         </p:cTn>
                                         <p:tgtEl>
-                                          <p:spTgt spid="31"/>
+                                          <p:spTgt spid="27"/>
                                         </p:tgtEl>
                                         <p:attrNameLst>
                                           <p:attrName>style.visibility</p:attrName>
@@ -7876,7 +7920,7 @@
                                       <p:cBhvr>
                                         <p:cTn id="17" dur="500"/>
                                         <p:tgtEl>
-                                          <p:spTgt spid="31"/>
+                                          <p:spTgt spid="27"/>
                                         </p:tgtEl>
                                       </p:cBhvr>
                                     </p:animEffect>
@@ -7950,11 +7994,23 @@
           <a:p>
             <a:r>
               <a:rPr lang="ja-JP" altLang="en-US" smtClean="0"/>
-              <a:t>モアコ　＝　</a:t>
+              <a:t>     モアコ</a:t>
             </a:r>
             <a:r>
               <a:rPr lang="en-US" altLang="ja-JP" smtClean="0"/>
-              <a:t>More Communication</a:t>
+              <a:t> </a:t>
+            </a:r>
+            <a:r>
+              <a:rPr lang="ja-JP" altLang="en-US" smtClean="0"/>
+              <a:t>＝ </a:t>
+            </a:r>
+            <a:r>
+              <a:rPr lang="en-US" altLang="ja-JP" smtClean="0"/>
+              <a:t>More </a:t>
+            </a:r>
+            <a:r>
+              <a:rPr lang="en-US" altLang="ja-JP" smtClean="0"/>
+              <a:t>Communication</a:t>
             </a:r>
             <a:endParaRPr kumimoji="1" lang="ja-JP" altLang="en-US"/>
           </a:p>

--- a/06.Presentation/モレ子プロジェクト.pptx
+++ b/06.Presentation/モレ子プロジェクト.pptx
@@ -3619,6 +3619,109 @@
           </a:p>
         </p:txBody>
       </p:sp>
+      <p:pic>
+        <p:nvPicPr>
+          <p:cNvPr id="3074" name="Picture 2"/>
+          <p:cNvPicPr>
+            <a:picLocks noChangeAspect="1" noChangeArrowheads="1"/>
+          </p:cNvPicPr>
+          <p:nvPr/>
+        </p:nvPicPr>
+        <p:blipFill>
+          <a:blip r:embed="rId2" cstate="print">
+            <a:extLst>
+              <a:ext uri="{28A0092B-C50C-407E-A947-70E740481C1C}">
+                <a14:useLocalDpi xmlns:a14="http://schemas.microsoft.com/office/drawing/2010/main" val="0"/>
+              </a:ext>
+            </a:extLst>
+          </a:blip>
+          <a:srcRect/>
+          <a:stretch>
+            <a:fillRect/>
+          </a:stretch>
+        </p:blipFill>
+        <p:spPr bwMode="auto">
+          <a:xfrm>
+            <a:off x="6588224" y="2924944"/>
+            <a:ext cx="1926758" cy="3024336"/>
+          </a:xfrm>
+          <a:prstGeom prst="rect">
+            <a:avLst/>
+          </a:prstGeom>
+          <a:noFill/>
+          <a:ln w="9525">
+            <a:solidFill>
+              <a:schemeClr val="tx1"/>
+            </a:solidFill>
+            <a:miter lim="800000"/>
+            <a:headEnd/>
+            <a:tailEnd/>
+          </a:ln>
+          <a:extLst>
+            <a:ext uri="{909E8E84-426E-40DD-AFC4-6F175D3DCCD1}">
+              <a14:hiddenFill xmlns:a14="http://schemas.microsoft.com/office/drawing/2010/main">
+                <a:solidFill>
+                  <a:schemeClr val="accent1"/>
+                </a:solidFill>
+              </a14:hiddenFill>
+            </a:ext>
+          </a:extLst>
+        </p:spPr>
+      </p:pic>
+      <p:pic>
+        <p:nvPicPr>
+          <p:cNvPr id="5" name="Picture 3"/>
+          <p:cNvPicPr>
+            <a:picLocks noChangeAspect="1" noChangeArrowheads="1"/>
+          </p:cNvPicPr>
+          <p:nvPr/>
+        </p:nvPicPr>
+        <p:blipFill>
+          <a:blip r:embed="rId3" cstate="print">
+            <a:extLst>
+              <a:ext uri="{28A0092B-C50C-407E-A947-70E740481C1C}">
+                <a14:useLocalDpi xmlns:a14="http://schemas.microsoft.com/office/drawing/2010/main" val="0"/>
+              </a:ext>
+            </a:extLst>
+          </a:blip>
+          <a:srcRect/>
+          <a:stretch>
+            <a:fillRect/>
+          </a:stretch>
+        </p:blipFill>
+        <p:spPr bwMode="auto">
+          <a:xfrm>
+            <a:off x="5066033" y="4931171"/>
+            <a:ext cx="1276098" cy="1018109"/>
+          </a:xfrm>
+          <a:prstGeom prst="rect">
+            <a:avLst/>
+          </a:prstGeom>
+          <a:noFill/>
+          <a:ln>
+            <a:noFill/>
+          </a:ln>
+          <a:extLst>
+            <a:ext uri="{909E8E84-426E-40DD-AFC4-6F175D3DCCD1}">
+              <a14:hiddenFill xmlns:a14="http://schemas.microsoft.com/office/drawing/2010/main">
+                <a:solidFill>
+                  <a:schemeClr val="accent1"/>
+                </a:solidFill>
+              </a14:hiddenFill>
+            </a:ext>
+            <a:ext uri="{91240B29-F687-4F45-9708-019B960494DF}">
+              <a14:hiddenLine xmlns:a14="http://schemas.microsoft.com/office/drawing/2010/main" w="9525">
+                <a:solidFill>
+                  <a:schemeClr val="tx1"/>
+                </a:solidFill>
+                <a:miter lim="800000"/>
+                <a:headEnd/>
+                <a:tailEnd/>
+              </a14:hiddenLine>
+            </a:ext>
+          </a:extLst>
+        </p:spPr>
+      </p:pic>
     </p:spTree>
     <p:extLst>
       <p:ext uri="{BB962C8B-B14F-4D97-AF65-F5344CB8AC3E}">
@@ -3706,74 +3809,399 @@
             <p:ph idx="1"/>
           </p:nvPr>
         </p:nvSpPr>
-        <p:spPr/>
+        <p:spPr>
+          <a:xfrm>
+            <a:off x="457200" y="1600201"/>
+            <a:ext cx="8229600" cy="1180728"/>
+          </a:xfrm>
+        </p:spPr>
         <p:txBody>
-          <a:bodyPr/>
+          <a:bodyPr>
+            <a:normAutofit/>
+          </a:bodyPr>
           <a:lstStyle/>
           <a:p>
             <a:r>
-              <a:rPr lang="ja-JP" altLang="en-US" smtClean="0"/>
+              <a:rPr lang="ja-JP" altLang="en-US" sz="2800" smtClean="0"/>
               <a:t>モア子により、互いの言語がわからなくても、</a:t>
             </a:r>
             <a:r>
-              <a:rPr lang="en-US" altLang="ja-JP" smtClean="0"/>
+              <a:rPr lang="en-US" altLang="ja-JP" sz="2800" smtClean="0"/>
               <a:t/>
             </a:r>
             <a:br>
-              <a:rPr lang="en-US" altLang="ja-JP" smtClean="0"/>
+              <a:rPr lang="en-US" altLang="ja-JP" sz="2800" smtClean="0"/>
             </a:br>
             <a:r>
-              <a:rPr lang="ja-JP" altLang="en-US" smtClean="0"/>
-              <a:t>助け合うことができる。</a:t>
-            </a:r>
-            <a:endParaRPr lang="en-US" altLang="ja-JP" smtClean="0"/>
-          </a:p>
-          <a:p>
-            <a:endParaRPr kumimoji="1" lang="en-US" altLang="ja-JP"/>
-          </a:p>
-          <a:p>
-            <a:endParaRPr lang="en-US" altLang="ja-JP" smtClean="0"/>
-          </a:p>
-          <a:p>
-            <a:r>
-              <a:rPr lang="ja-JP" altLang="en-US" smtClean="0"/>
+              <a:rPr lang="ja-JP" altLang="en-US" sz="2800" smtClean="0"/>
+              <a:t>助け合うことができる</a:t>
+            </a:r>
+            <a:r>
+              <a:rPr lang="ja-JP" altLang="en-US" sz="2800" smtClean="0"/>
+              <a:t>。</a:t>
+            </a:r>
+            <a:endParaRPr lang="en-US" altLang="ja-JP" sz="2800" smtClean="0"/>
+          </a:p>
+        </p:txBody>
+      </p:sp>
+      <p:grpSp>
+        <p:nvGrpSpPr>
+          <p:cNvPr id="5" name="グループ化 4"/>
+          <p:cNvGrpSpPr/>
+          <p:nvPr/>
+        </p:nvGrpSpPr>
+        <p:grpSpPr>
+          <a:xfrm>
+            <a:off x="1475656" y="2564904"/>
+            <a:ext cx="6944684" cy="2036217"/>
+            <a:chOff x="1475656" y="2420888"/>
+            <a:chExt cx="6944684" cy="2036217"/>
+          </a:xfrm>
+        </p:grpSpPr>
+        <p:pic>
+          <p:nvPicPr>
+            <p:cNvPr id="2051" name="Picture 3"/>
+            <p:cNvPicPr>
+              <a:picLocks noChangeAspect="1" noChangeArrowheads="1"/>
+            </p:cNvPicPr>
+            <p:nvPr/>
+          </p:nvPicPr>
+          <p:blipFill>
+            <a:blip r:embed="rId2" cstate="print">
+              <a:extLst>
+                <a:ext uri="{28A0092B-C50C-407E-A947-70E740481C1C}">
+                  <a14:useLocalDpi xmlns:a14="http://schemas.microsoft.com/office/drawing/2010/main" val="0"/>
+                </a:ext>
+              </a:extLst>
+            </a:blip>
+            <a:srcRect/>
+            <a:stretch>
+              <a:fillRect/>
+            </a:stretch>
+          </p:blipFill>
+          <p:spPr bwMode="auto">
+            <a:xfrm>
+              <a:off x="5868144" y="2420888"/>
+              <a:ext cx="2552196" cy="2036217"/>
+            </a:xfrm>
+            <a:prstGeom prst="rect">
+              <a:avLst/>
+            </a:prstGeom>
+            <a:noFill/>
+            <a:ln>
+              <a:noFill/>
+            </a:ln>
+            <a:extLst>
+              <a:ext uri="{909E8E84-426E-40DD-AFC4-6F175D3DCCD1}">
+                <a14:hiddenFill xmlns:a14="http://schemas.microsoft.com/office/drawing/2010/main">
+                  <a:solidFill>
+                    <a:schemeClr val="accent1"/>
+                  </a:solidFill>
+                </a14:hiddenFill>
+              </a:ext>
+              <a:ext uri="{91240B29-F687-4F45-9708-019B960494DF}">
+                <a14:hiddenLine xmlns:a14="http://schemas.microsoft.com/office/drawing/2010/main" w="9525">
+                  <a:solidFill>
+                    <a:schemeClr val="tx1"/>
+                  </a:solidFill>
+                  <a:miter lim="800000"/>
+                  <a:headEnd/>
+                  <a:tailEnd/>
+                </a14:hiddenLine>
+              </a:ext>
+            </a:extLst>
+          </p:spPr>
+        </p:pic>
+        <p:pic>
+          <p:nvPicPr>
+            <p:cNvPr id="2053" name="Picture 5"/>
+            <p:cNvPicPr>
+              <a:picLocks noChangeAspect="1" noChangeArrowheads="1"/>
+            </p:cNvPicPr>
+            <p:nvPr/>
+          </p:nvPicPr>
+          <p:blipFill>
+            <a:blip r:embed="rId3" cstate="print">
+              <a:extLst>
+                <a:ext uri="{28A0092B-C50C-407E-A947-70E740481C1C}">
+                  <a14:useLocalDpi xmlns:a14="http://schemas.microsoft.com/office/drawing/2010/main" val="0"/>
+                </a:ext>
+              </a:extLst>
+            </a:blip>
+            <a:srcRect/>
+            <a:stretch>
+              <a:fillRect/>
+            </a:stretch>
+          </p:blipFill>
+          <p:spPr bwMode="auto">
+            <a:xfrm>
+              <a:off x="1475656" y="2531650"/>
+              <a:ext cx="2555595" cy="1814692"/>
+            </a:xfrm>
+            <a:prstGeom prst="rect">
+              <a:avLst/>
+            </a:prstGeom>
+            <a:noFill/>
+            <a:ln w="9525">
+              <a:solidFill>
+                <a:schemeClr val="tx1"/>
+              </a:solidFill>
+              <a:miter lim="800000"/>
+              <a:headEnd/>
+              <a:tailEnd/>
+            </a:ln>
+            <a:extLst>
+              <a:ext uri="{909E8E84-426E-40DD-AFC4-6F175D3DCCD1}">
+                <a14:hiddenFill xmlns:a14="http://schemas.microsoft.com/office/drawing/2010/main">
+                  <a:solidFill>
+                    <a:schemeClr val="accent1"/>
+                  </a:solidFill>
+                </a14:hiddenFill>
+              </a:ext>
+            </a:extLst>
+          </p:spPr>
+        </p:pic>
+        <p:sp>
+          <p:nvSpPr>
+            <p:cNvPr id="4" name="右矢印 3"/>
+            <p:cNvSpPr/>
+            <p:nvPr/>
+          </p:nvSpPr>
+          <p:spPr>
+            <a:xfrm>
+              <a:off x="4283968" y="3212976"/>
+              <a:ext cx="1152128" cy="648072"/>
+            </a:xfrm>
+            <a:prstGeom prst="rightArrow">
+              <a:avLst/>
+            </a:prstGeom>
+            <a:noFill/>
+            <a:ln w="12700"/>
+          </p:spPr>
+          <p:style>
+            <a:lnRef idx="2">
+              <a:schemeClr val="accent1">
+                <a:shade val="50000"/>
+              </a:schemeClr>
+            </a:lnRef>
+            <a:fillRef idx="1">
+              <a:schemeClr val="accent1"/>
+            </a:fillRef>
+            <a:effectRef idx="0">
+              <a:schemeClr val="accent1"/>
+            </a:effectRef>
+            <a:fontRef idx="minor">
+              <a:schemeClr val="lt1"/>
+            </a:fontRef>
+          </p:style>
+          <p:txBody>
+            <a:bodyPr rtlCol="0" anchor="ctr"/>
+            <a:lstStyle/>
+            <a:p>
+              <a:pPr algn="ctr"/>
+              <a:endParaRPr kumimoji="1" lang="ja-JP" altLang="en-US"/>
+            </a:p>
+          </p:txBody>
+        </p:sp>
+      </p:grpSp>
+      <p:sp>
+        <p:nvSpPr>
+          <p:cNvPr id="10" name="コンテンツ プレースホルダー 2"/>
+          <p:cNvSpPr txBox="1">
+            <a:spLocks/>
+          </p:cNvSpPr>
+          <p:nvPr/>
+        </p:nvSpPr>
+        <p:spPr>
+          <a:xfrm>
+            <a:off x="539552" y="4725144"/>
+            <a:ext cx="8229600" cy="1830934"/>
+          </a:xfrm>
+          <a:prstGeom prst="rect">
+            <a:avLst/>
+          </a:prstGeom>
+        </p:spPr>
+        <p:txBody>
+          <a:bodyPr vert="horz" lIns="91440" tIns="45720" rIns="91440" bIns="45720" rtlCol="0">
+            <a:normAutofit/>
+          </a:bodyPr>
+          <a:lstStyle>
+            <a:lvl1pPr marL="342900" indent="-342900" algn="l" defTabSz="914400" rtl="0" eaLnBrk="1" latinLnBrk="0" hangingPunct="1">
+              <a:spcBef>
+                <a:spcPct val="20000"/>
+              </a:spcBef>
+              <a:buFont typeface="Arial" panose="020B0604020202020204" pitchFamily="34" charset="0"/>
+              <a:buChar char="•"/>
+              <a:defRPr kumimoji="1" sz="3200" kern="1200">
+                <a:solidFill>
+                  <a:schemeClr val="tx1"/>
+                </a:solidFill>
+                <a:latin typeface="+mn-lt"/>
+                <a:ea typeface="+mn-ea"/>
+                <a:cs typeface="+mn-cs"/>
+              </a:defRPr>
+            </a:lvl1pPr>
+            <a:lvl2pPr marL="742950" indent="-285750" algn="l" defTabSz="914400" rtl="0" eaLnBrk="1" latinLnBrk="0" hangingPunct="1">
+              <a:spcBef>
+                <a:spcPct val="20000"/>
+              </a:spcBef>
+              <a:buFont typeface="Arial" panose="020B0604020202020204" pitchFamily="34" charset="0"/>
+              <a:buChar char="–"/>
+              <a:defRPr kumimoji="1" sz="2800" kern="1200">
+                <a:solidFill>
+                  <a:schemeClr val="tx1"/>
+                </a:solidFill>
+                <a:latin typeface="+mn-lt"/>
+                <a:ea typeface="+mn-ea"/>
+                <a:cs typeface="+mn-cs"/>
+              </a:defRPr>
+            </a:lvl2pPr>
+            <a:lvl3pPr marL="1143000" indent="-228600" algn="l" defTabSz="914400" rtl="0" eaLnBrk="1" latinLnBrk="0" hangingPunct="1">
+              <a:spcBef>
+                <a:spcPct val="20000"/>
+              </a:spcBef>
+              <a:buFont typeface="Arial" panose="020B0604020202020204" pitchFamily="34" charset="0"/>
+              <a:buChar char="•"/>
+              <a:defRPr kumimoji="1" sz="2400" kern="1200">
+                <a:solidFill>
+                  <a:schemeClr val="tx1"/>
+                </a:solidFill>
+                <a:latin typeface="+mn-lt"/>
+                <a:ea typeface="+mn-ea"/>
+                <a:cs typeface="+mn-cs"/>
+              </a:defRPr>
+            </a:lvl3pPr>
+            <a:lvl4pPr marL="1600200" indent="-228600" algn="l" defTabSz="914400" rtl="0" eaLnBrk="1" latinLnBrk="0" hangingPunct="1">
+              <a:spcBef>
+                <a:spcPct val="20000"/>
+              </a:spcBef>
+              <a:buFont typeface="Arial" panose="020B0604020202020204" pitchFamily="34" charset="0"/>
+              <a:buChar char="–"/>
+              <a:defRPr kumimoji="1" sz="2000" kern="1200">
+                <a:solidFill>
+                  <a:schemeClr val="tx1"/>
+                </a:solidFill>
+                <a:latin typeface="+mn-lt"/>
+                <a:ea typeface="+mn-ea"/>
+                <a:cs typeface="+mn-cs"/>
+              </a:defRPr>
+            </a:lvl4pPr>
+            <a:lvl5pPr marL="2057400" indent="-228600" algn="l" defTabSz="914400" rtl="0" eaLnBrk="1" latinLnBrk="0" hangingPunct="1">
+              <a:spcBef>
+                <a:spcPct val="20000"/>
+              </a:spcBef>
+              <a:buFont typeface="Arial" panose="020B0604020202020204" pitchFamily="34" charset="0"/>
+              <a:buChar char="»"/>
+              <a:defRPr kumimoji="1" sz="2000" kern="1200">
+                <a:solidFill>
+                  <a:schemeClr val="tx1"/>
+                </a:solidFill>
+                <a:latin typeface="+mn-lt"/>
+                <a:ea typeface="+mn-ea"/>
+                <a:cs typeface="+mn-cs"/>
+              </a:defRPr>
+            </a:lvl5pPr>
+            <a:lvl6pPr marL="2514600" indent="-228600" algn="l" defTabSz="914400" rtl="0" eaLnBrk="1" latinLnBrk="0" hangingPunct="1">
+              <a:spcBef>
+                <a:spcPct val="20000"/>
+              </a:spcBef>
+              <a:buFont typeface="Arial" panose="020B0604020202020204" pitchFamily="34" charset="0"/>
+              <a:buChar char="•"/>
+              <a:defRPr kumimoji="1" sz="2000" kern="1200">
+                <a:solidFill>
+                  <a:schemeClr val="tx1"/>
+                </a:solidFill>
+                <a:latin typeface="+mn-lt"/>
+                <a:ea typeface="+mn-ea"/>
+                <a:cs typeface="+mn-cs"/>
+              </a:defRPr>
+            </a:lvl6pPr>
+            <a:lvl7pPr marL="2971800" indent="-228600" algn="l" defTabSz="914400" rtl="0" eaLnBrk="1" latinLnBrk="0" hangingPunct="1">
+              <a:spcBef>
+                <a:spcPct val="20000"/>
+              </a:spcBef>
+              <a:buFont typeface="Arial" panose="020B0604020202020204" pitchFamily="34" charset="0"/>
+              <a:buChar char="•"/>
+              <a:defRPr kumimoji="1" sz="2000" kern="1200">
+                <a:solidFill>
+                  <a:schemeClr val="tx1"/>
+                </a:solidFill>
+                <a:latin typeface="+mn-lt"/>
+                <a:ea typeface="+mn-ea"/>
+                <a:cs typeface="+mn-cs"/>
+              </a:defRPr>
+            </a:lvl7pPr>
+            <a:lvl8pPr marL="3429000" indent="-228600" algn="l" defTabSz="914400" rtl="0" eaLnBrk="1" latinLnBrk="0" hangingPunct="1">
+              <a:spcBef>
+                <a:spcPct val="20000"/>
+              </a:spcBef>
+              <a:buFont typeface="Arial" panose="020B0604020202020204" pitchFamily="34" charset="0"/>
+              <a:buChar char="•"/>
+              <a:defRPr kumimoji="1" sz="2000" kern="1200">
+                <a:solidFill>
+                  <a:schemeClr val="tx1"/>
+                </a:solidFill>
+                <a:latin typeface="+mn-lt"/>
+                <a:ea typeface="+mn-ea"/>
+                <a:cs typeface="+mn-cs"/>
+              </a:defRPr>
+            </a:lvl8pPr>
+            <a:lvl9pPr marL="3886200" indent="-228600" algn="l" defTabSz="914400" rtl="0" eaLnBrk="1" latinLnBrk="0" hangingPunct="1">
+              <a:spcBef>
+                <a:spcPct val="20000"/>
+              </a:spcBef>
+              <a:buFont typeface="Arial" panose="020B0604020202020204" pitchFamily="34" charset="0"/>
+              <a:buChar char="•"/>
+              <a:defRPr kumimoji="1" sz="2000" kern="1200">
+                <a:solidFill>
+                  <a:schemeClr val="tx1"/>
+                </a:solidFill>
+                <a:latin typeface="+mn-lt"/>
+                <a:ea typeface="+mn-ea"/>
+                <a:cs typeface="+mn-cs"/>
+              </a:defRPr>
+            </a:lvl9pPr>
+          </a:lstStyle>
+          <a:p>
+            <a:r>
+              <a:rPr lang="ja-JP" altLang="en-US" sz="2800" smtClean="0"/>
               <a:t>モア子がまだカバーできない範囲には、</a:t>
             </a:r>
             <a:r>
-              <a:rPr lang="en-US" altLang="ja-JP" smtClean="0"/>
+              <a:rPr lang="en-US" altLang="ja-JP" sz="2800" smtClean="0"/>
               <a:t/>
             </a:r>
             <a:br>
-              <a:rPr lang="en-US" altLang="ja-JP" smtClean="0"/>
+              <a:rPr lang="en-US" altLang="ja-JP" sz="2800" smtClean="0"/>
             </a:br>
             <a:r>
-              <a:rPr lang="en-US" altLang="ja-JP" smtClean="0"/>
+              <a:rPr lang="en-US" altLang="ja-JP" sz="2800" smtClean="0"/>
               <a:t>Google</a:t>
             </a:r>
             <a:r>
-              <a:rPr lang="ja-JP" altLang="en-US" smtClean="0"/>
+              <a:rPr lang="ja-JP" altLang="en-US" sz="2800" smtClean="0"/>
               <a:t>翻訳、</a:t>
             </a:r>
             <a:r>
-              <a:rPr lang="en-US" altLang="ja-JP" smtClean="0"/>
+              <a:rPr lang="en-US" altLang="ja-JP" sz="2800" smtClean="0"/>
               <a:t>TextToSpeech</a:t>
             </a:r>
             <a:r>
-              <a:rPr lang="ja-JP" altLang="en-US" smtClean="0"/>
+              <a:rPr lang="ja-JP" altLang="en-US" sz="2800" smtClean="0"/>
               <a:t>を利用して</a:t>
             </a:r>
             <a:r>
-              <a:rPr lang="en-US" altLang="ja-JP" smtClean="0"/>
+              <a:rPr lang="en-US" altLang="ja-JP" sz="2800" smtClean="0"/>
               <a:t/>
             </a:r>
             <a:br>
-              <a:rPr lang="en-US" altLang="ja-JP" smtClean="0"/>
+              <a:rPr lang="en-US" altLang="ja-JP" sz="2800" smtClean="0"/>
             </a:br>
             <a:r>
-              <a:rPr lang="ja-JP" altLang="en-US" smtClean="0"/>
+              <a:rPr lang="ja-JP" altLang="en-US" sz="2800" smtClean="0"/>
               <a:t>何とかする。</a:t>
             </a:r>
-            <a:endParaRPr kumimoji="1" lang="en-US" altLang="ja-JP"/>
+            <a:endParaRPr lang="en-US" altLang="ja-JP" sz="2800"/>
           </a:p>
         </p:txBody>
       </p:sp>
@@ -3808,7 +4236,7 @@
                             </p:stCondLst>
                             <p:childTnLst>
                               <p:par>
-                                <p:cTn id="5" presetID="2" presetClass="entr" presetSubtype="4" fill="hold" grpId="0" nodeType="clickEffect">
+                                <p:cTn id="5" presetID="10" presetClass="entr" presetSubtype="0" fill="hold" grpId="0" nodeType="clickEffect">
                                   <p:stCondLst>
                                     <p:cond delay="0"/>
                                   </p:stCondLst>
@@ -3835,9 +4263,9 @@
                                         <p:strVal val="visible"/>
                                       </p:to>
                                     </p:set>
-                                    <p:anim calcmode="lin" valueType="num">
-                                      <p:cBhvr additive="base">
-                                        <p:cTn id="7" dur="500" fill="hold"/>
+                                    <p:animEffect transition="in" filter="fade">
+                                      <p:cBhvr>
+                                        <p:cTn id="7" dur="500"/>
                                         <p:tgtEl>
                                           <p:spTgt spid="3">
                                             <p:txEl>
@@ -3845,50 +4273,43 @@
                                             </p:txEl>
                                           </p:spTgt>
                                         </p:tgtEl>
+                                      </p:cBhvr>
+                                    </p:animEffect>
+                                  </p:childTnLst>
+                                </p:cTn>
+                              </p:par>
+                              <p:par>
+                                <p:cTn id="8" presetID="10" presetClass="entr" presetSubtype="0" fill="hold" nodeType="withEffect">
+                                  <p:stCondLst>
+                                    <p:cond delay="0"/>
+                                  </p:stCondLst>
+                                  <p:childTnLst>
+                                    <p:set>
+                                      <p:cBhvr>
+                                        <p:cTn id="9" dur="1" fill="hold">
+                                          <p:stCondLst>
+                                            <p:cond delay="0"/>
+                                          </p:stCondLst>
+                                        </p:cTn>
+                                        <p:tgtEl>
+                                          <p:spTgt spid="5"/>
+                                        </p:tgtEl>
                                         <p:attrNameLst>
-                                          <p:attrName>ppt_x</p:attrName>
+                                          <p:attrName>style.visibility</p:attrName>
                                         </p:attrNameLst>
                                       </p:cBhvr>
-                                      <p:tavLst>
-                                        <p:tav tm="0">
-                                          <p:val>
-                                            <p:strVal val="#ppt_x"/>
-                                          </p:val>
-                                        </p:tav>
-                                        <p:tav tm="100000">
-                                          <p:val>
-                                            <p:strVal val="#ppt_x"/>
-                                          </p:val>
-                                        </p:tav>
-                                      </p:tavLst>
-                                    </p:anim>
-                                    <p:anim calcmode="lin" valueType="num">
-                                      <p:cBhvr additive="base">
-                                        <p:cTn id="8" dur="500" fill="hold"/>
+                                      <p:to>
+                                        <p:strVal val="visible"/>
+                                      </p:to>
+                                    </p:set>
+                                    <p:animEffect transition="in" filter="fade">
+                                      <p:cBhvr>
+                                        <p:cTn id="10" dur="500"/>
                                         <p:tgtEl>
-                                          <p:spTgt spid="3">
-                                            <p:txEl>
-                                              <p:pRg st="0" end="0"/>
-                                            </p:txEl>
-                                          </p:spTgt>
+                                          <p:spTgt spid="5"/>
                                         </p:tgtEl>
-                                        <p:attrNameLst>
-                                          <p:attrName>ppt_y</p:attrName>
-                                        </p:attrNameLst>
                                       </p:cBhvr>
-                                      <p:tavLst>
-                                        <p:tav tm="0">
-                                          <p:val>
-                                            <p:strVal val="1+#ppt_h/2"/>
-                                          </p:val>
-                                        </p:tav>
-                                        <p:tav tm="100000">
-                                          <p:val>
-                                            <p:strVal val="#ppt_y"/>
-                                          </p:val>
-                                        </p:tav>
-                                      </p:tavLst>
-                                    </p:anim>
+                                    </p:animEffect>
                                   </p:childTnLst>
                                 </p:cTn>
                               </p:par>
@@ -3899,36 +4320,32 @@
                     </p:cTn>
                   </p:par>
                   <p:par>
-                    <p:cTn id="9" fill="hold">
+                    <p:cTn id="11" fill="hold">
                       <p:stCondLst>
                         <p:cond delay="indefinite"/>
                       </p:stCondLst>
                       <p:childTnLst>
                         <p:par>
-                          <p:cTn id="10" fill="hold">
+                          <p:cTn id="12" fill="hold">
                             <p:stCondLst>
                               <p:cond delay="0"/>
                             </p:stCondLst>
                             <p:childTnLst>
                               <p:par>
-                                <p:cTn id="11" presetID="2" presetClass="entr" presetSubtype="4" fill="hold" grpId="0" nodeType="clickEffect">
+                                <p:cTn id="13" presetID="10" presetClass="entr" presetSubtype="0" fill="hold" grpId="0" nodeType="clickEffect">
                                   <p:stCondLst>
                                     <p:cond delay="0"/>
                                   </p:stCondLst>
                                   <p:childTnLst>
                                     <p:set>
                                       <p:cBhvr>
-                                        <p:cTn id="12" dur="1" fill="hold">
+                                        <p:cTn id="14" dur="1" fill="hold">
                                           <p:stCondLst>
                                             <p:cond delay="0"/>
                                           </p:stCondLst>
                                         </p:cTn>
                                         <p:tgtEl>
-                                          <p:spTgt spid="3">
-                                            <p:txEl>
-                                              <p:pRg st="3" end="3"/>
-                                            </p:txEl>
-                                          </p:spTgt>
+                                          <p:spTgt spid="10"/>
                                         </p:tgtEl>
                                         <p:attrNameLst>
                                           <p:attrName>style.visibility</p:attrName>
@@ -3938,60 +4355,14 @@
                                         <p:strVal val="visible"/>
                                       </p:to>
                                     </p:set>
-                                    <p:anim calcmode="lin" valueType="num">
-                                      <p:cBhvr additive="base">
-                                        <p:cTn id="13" dur="500" fill="hold"/>
+                                    <p:animEffect transition="in" filter="fade">
+                                      <p:cBhvr>
+                                        <p:cTn id="15" dur="500"/>
                                         <p:tgtEl>
-                                          <p:spTgt spid="3">
-                                            <p:txEl>
-                                              <p:pRg st="3" end="3"/>
-                                            </p:txEl>
-                                          </p:spTgt>
+                                          <p:spTgt spid="10"/>
                                         </p:tgtEl>
-                                        <p:attrNameLst>
-                                          <p:attrName>ppt_x</p:attrName>
-                                        </p:attrNameLst>
                                       </p:cBhvr>
-                                      <p:tavLst>
-                                        <p:tav tm="0">
-                                          <p:val>
-                                            <p:strVal val="#ppt_x"/>
-                                          </p:val>
-                                        </p:tav>
-                                        <p:tav tm="100000">
-                                          <p:val>
-                                            <p:strVal val="#ppt_x"/>
-                                          </p:val>
-                                        </p:tav>
-                                      </p:tavLst>
-                                    </p:anim>
-                                    <p:anim calcmode="lin" valueType="num">
-                                      <p:cBhvr additive="base">
-                                        <p:cTn id="14" dur="500" fill="hold"/>
-                                        <p:tgtEl>
-                                          <p:spTgt spid="3">
-                                            <p:txEl>
-                                              <p:pRg st="3" end="3"/>
-                                            </p:txEl>
-                                          </p:spTgt>
-                                        </p:tgtEl>
-                                        <p:attrNameLst>
-                                          <p:attrName>ppt_y</p:attrName>
-                                        </p:attrNameLst>
-                                      </p:cBhvr>
-                                      <p:tavLst>
-                                        <p:tav tm="0">
-                                          <p:val>
-                                            <p:strVal val="1+#ppt_h/2"/>
-                                          </p:val>
-                                        </p:tav>
-                                        <p:tav tm="100000">
-                                          <p:val>
-                                            <p:strVal val="#ppt_y"/>
-                                          </p:val>
-                                        </p:tav>
-                                      </p:tavLst>
-                                    </p:anim>
+                                    </p:animEffect>
                                   </p:childTnLst>
                                 </p:cTn>
                               </p:par>
@@ -4024,6 +4395,7 @@
     </p:tnLst>
     <p:bldLst>
       <p:bldP spid="3" grpId="0" build="p"/>
+      <p:bldP spid="10" grpId="0"/>
     </p:bldLst>
   </p:timing>
 </p:sld>
@@ -5714,6 +6086,60 @@
           </p:txBody>
         </p:sp>
       </p:grpSp>
+      <p:pic>
+        <p:nvPicPr>
+          <p:cNvPr id="1026" name="Picture 2"/>
+          <p:cNvPicPr>
+            <a:picLocks noChangeAspect="1" noChangeArrowheads="1"/>
+          </p:cNvPicPr>
+          <p:nvPr/>
+        </p:nvPicPr>
+        <p:blipFill>
+          <a:blip r:embed="rId3" cstate="print">
+            <a:extLst>
+              <a:ext uri="{28A0092B-C50C-407E-A947-70E740481C1C}">
+                <a14:useLocalDpi xmlns:a14="http://schemas.microsoft.com/office/drawing/2010/main" val="0"/>
+              </a:ext>
+            </a:extLst>
+          </a:blip>
+          <a:srcRect/>
+          <a:stretch>
+            <a:fillRect/>
+          </a:stretch>
+        </p:blipFill>
+        <p:spPr bwMode="auto">
+          <a:xfrm>
+            <a:off x="1060183" y="4212098"/>
+            <a:ext cx="1999649" cy="1584176"/>
+          </a:xfrm>
+          <a:prstGeom prst="rect">
+            <a:avLst/>
+          </a:prstGeom>
+          <a:noFill/>
+          <a:ln>
+            <a:noFill/>
+          </a:ln>
+          <a:extLst>
+            <a:ext uri="{909E8E84-426E-40DD-AFC4-6F175D3DCCD1}">
+              <a14:hiddenFill xmlns:a14="http://schemas.microsoft.com/office/drawing/2010/main">
+                <a:solidFill>
+                  <a:schemeClr val="accent1"/>
+                </a:solidFill>
+              </a14:hiddenFill>
+            </a:ext>
+            <a:ext uri="{91240B29-F687-4F45-9708-019B960494DF}">
+              <a14:hiddenLine xmlns:a14="http://schemas.microsoft.com/office/drawing/2010/main" w="9525">
+                <a:solidFill>
+                  <a:schemeClr val="tx1"/>
+                </a:solidFill>
+                <a:miter lim="800000"/>
+                <a:headEnd/>
+                <a:tailEnd/>
+              </a14:hiddenLine>
+            </a:ext>
+          </a:extLst>
+        </p:spPr>
+      </p:pic>
     </p:spTree>
     <p:extLst>
       <p:ext uri="{BB962C8B-B14F-4D97-AF65-F5344CB8AC3E}">
@@ -5785,6 +6211,59 @@
                       </p:childTnLst>
                     </p:cTn>
                   </p:par>
+                  <p:par>
+                    <p:cTn id="8" fill="hold">
+                      <p:stCondLst>
+                        <p:cond delay="indefinite"/>
+                      </p:stCondLst>
+                      <p:childTnLst>
+                        <p:par>
+                          <p:cTn id="9" fill="hold">
+                            <p:stCondLst>
+                              <p:cond delay="0"/>
+                            </p:stCondLst>
+                            <p:childTnLst>
+                              <p:par>
+                                <p:cTn id="10" presetID="10" presetClass="entr" presetSubtype="0" fill="hold" nodeType="clickEffect">
+                                  <p:stCondLst>
+                                    <p:cond delay="0"/>
+                                  </p:stCondLst>
+                                  <p:childTnLst>
+                                    <p:set>
+                                      <p:cBhvr>
+                                        <p:cTn id="11" dur="1" fill="hold">
+                                          <p:stCondLst>
+                                            <p:cond delay="0"/>
+                                          </p:stCondLst>
+                                        </p:cTn>
+                                        <p:tgtEl>
+                                          <p:spTgt spid="1026"/>
+                                        </p:tgtEl>
+                                        <p:attrNameLst>
+                                          <p:attrName>style.visibility</p:attrName>
+                                        </p:attrNameLst>
+                                      </p:cBhvr>
+                                      <p:to>
+                                        <p:strVal val="visible"/>
+                                      </p:to>
+                                    </p:set>
+                                    <p:animEffect transition="in" filter="fade">
+                                      <p:cBhvr>
+                                        <p:cTn id="12" dur="500"/>
+                                        <p:tgtEl>
+                                          <p:spTgt spid="1026"/>
+                                        </p:tgtEl>
+                                      </p:cBhvr>
+                                    </p:animEffect>
+                                  </p:childTnLst>
+                                </p:cTn>
+                              </p:par>
+                            </p:childTnLst>
+                          </p:cTn>
+                        </p:par>
+                      </p:childTnLst>
+                    </p:cTn>
+                  </p:par>
                 </p:childTnLst>
               </p:cTn>
               <p:prevCondLst>
@@ -5846,11 +6325,7 @@
           <a:p>
             <a:r>
               <a:rPr lang="ja-JP" altLang="en-US" smtClean="0"/>
-              <a:t>新コミュニケーション</a:t>
-            </a:r>
-            <a:r>
-              <a:rPr lang="ja-JP" altLang="en-US" smtClean="0"/>
-              <a:t>手法</a:t>
+              <a:t>新コミュニケーション手法</a:t>
             </a:r>
             <a:endParaRPr kumimoji="1" lang="ja-JP" altLang="en-US"/>
           </a:p>
@@ -5998,15 +6473,7 @@
             </a:br>
             <a:r>
               <a:rPr lang="ja-JP" altLang="en-US" smtClean="0"/>
-              <a:t>アプリ上</a:t>
-            </a:r>
-            <a:r>
-              <a:rPr lang="ja-JP" altLang="en-US" smtClean="0"/>
-              <a:t>だけ</a:t>
-            </a:r>
-            <a:r>
-              <a:rPr lang="ja-JP" altLang="en-US" smtClean="0"/>
-              <a:t>の機能</a:t>
+              <a:t>アプリ上だけの機能</a:t>
             </a:r>
             <a:r>
               <a:rPr lang="ja-JP" altLang="en-US"/>
@@ -6029,39 +6496,7 @@
                   <a:srgbClr val="0070C0"/>
                 </a:solidFill>
               </a:rPr>
-              <a:t>実</a:t>
-            </a:r>
-            <a:r>
-              <a:rPr lang="ja-JP" altLang="en-US" b="1" smtClean="0">
-                <a:solidFill>
-                  <a:srgbClr val="0070C0"/>
-                </a:solidFill>
-              </a:rPr>
-              <a:t>世界</a:t>
-            </a:r>
-            <a:r>
-              <a:rPr lang="ja-JP" altLang="en-US" b="1" smtClean="0">
-                <a:solidFill>
-                  <a:srgbClr val="0070C0"/>
-                </a:solidFill>
-              </a:rPr>
-              <a:t>に</a:t>
-            </a:r>
-            <a:r>
-              <a:rPr lang="ja-JP" altLang="en-US" b="1" smtClean="0">
-                <a:solidFill>
-                  <a:srgbClr val="0070C0"/>
-                </a:solidFill>
-              </a:rPr>
-              <a:t>もムード共有できる</a:t>
-            </a:r>
-            <a:r>
-              <a:rPr lang="ja-JP" altLang="en-US" b="1" smtClean="0">
-                <a:solidFill>
-                  <a:srgbClr val="0070C0"/>
-                </a:solidFill>
-              </a:rPr>
-              <a:t>。</a:t>
+              <a:t>実世界にもムード共有できる。</a:t>
             </a:r>
             <a:endParaRPr kumimoji="1" lang="ja-JP" altLang="en-US" b="1">
               <a:solidFill>
@@ -8006,11 +8441,7 @@
             </a:r>
             <a:r>
               <a:rPr lang="en-US" altLang="ja-JP" smtClean="0"/>
-              <a:t>More </a:t>
-            </a:r>
-            <a:r>
-              <a:rPr lang="en-US" altLang="ja-JP" smtClean="0"/>
-              <a:t>Communication</a:t>
+              <a:t>More Communication</a:t>
             </a:r>
             <a:endParaRPr kumimoji="1" lang="ja-JP" altLang="en-US"/>
           </a:p>

--- a/06.Presentation/モレ子プロジェクト.pptx
+++ b/06.Presentation/モレ子プロジェクト.pptx
@@ -7,12 +7,13 @@
   <p:sldIdLst>
     <p:sldId id="256" r:id="rId2"/>
     <p:sldId id="257" r:id="rId3"/>
-    <p:sldId id="258" r:id="rId4"/>
-    <p:sldId id="259" r:id="rId5"/>
-    <p:sldId id="260" r:id="rId6"/>
-    <p:sldId id="261" r:id="rId7"/>
-    <p:sldId id="262" r:id="rId8"/>
-    <p:sldId id="263" r:id="rId9"/>
+    <p:sldId id="264" r:id="rId4"/>
+    <p:sldId id="258" r:id="rId5"/>
+    <p:sldId id="259" r:id="rId6"/>
+    <p:sldId id="260" r:id="rId7"/>
+    <p:sldId id="261" r:id="rId8"/>
+    <p:sldId id="262" r:id="rId9"/>
+    <p:sldId id="263" r:id="rId10"/>
   </p:sldIdLst>
   <p:sldSz cx="9144000" cy="6858000" type="screen4x3"/>
   <p:notesSz cx="6858000" cy="9144000"/>
@@ -3619,109 +3620,6 @@
           </a:p>
         </p:txBody>
       </p:sp>
-      <p:pic>
-        <p:nvPicPr>
-          <p:cNvPr id="3074" name="Picture 2"/>
-          <p:cNvPicPr>
-            <a:picLocks noChangeAspect="1" noChangeArrowheads="1"/>
-          </p:cNvPicPr>
-          <p:nvPr/>
-        </p:nvPicPr>
-        <p:blipFill>
-          <a:blip r:embed="rId2" cstate="print">
-            <a:extLst>
-              <a:ext uri="{28A0092B-C50C-407E-A947-70E740481C1C}">
-                <a14:useLocalDpi xmlns:a14="http://schemas.microsoft.com/office/drawing/2010/main" val="0"/>
-              </a:ext>
-            </a:extLst>
-          </a:blip>
-          <a:srcRect/>
-          <a:stretch>
-            <a:fillRect/>
-          </a:stretch>
-        </p:blipFill>
-        <p:spPr bwMode="auto">
-          <a:xfrm>
-            <a:off x="6588224" y="2924944"/>
-            <a:ext cx="1926758" cy="3024336"/>
-          </a:xfrm>
-          <a:prstGeom prst="rect">
-            <a:avLst/>
-          </a:prstGeom>
-          <a:noFill/>
-          <a:ln w="9525">
-            <a:solidFill>
-              <a:schemeClr val="tx1"/>
-            </a:solidFill>
-            <a:miter lim="800000"/>
-            <a:headEnd/>
-            <a:tailEnd/>
-          </a:ln>
-          <a:extLst>
-            <a:ext uri="{909E8E84-426E-40DD-AFC4-6F175D3DCCD1}">
-              <a14:hiddenFill xmlns:a14="http://schemas.microsoft.com/office/drawing/2010/main">
-                <a:solidFill>
-                  <a:schemeClr val="accent1"/>
-                </a:solidFill>
-              </a14:hiddenFill>
-            </a:ext>
-          </a:extLst>
-        </p:spPr>
-      </p:pic>
-      <p:pic>
-        <p:nvPicPr>
-          <p:cNvPr id="5" name="Picture 3"/>
-          <p:cNvPicPr>
-            <a:picLocks noChangeAspect="1" noChangeArrowheads="1"/>
-          </p:cNvPicPr>
-          <p:nvPr/>
-        </p:nvPicPr>
-        <p:blipFill>
-          <a:blip r:embed="rId3" cstate="print">
-            <a:extLst>
-              <a:ext uri="{28A0092B-C50C-407E-A947-70E740481C1C}">
-                <a14:useLocalDpi xmlns:a14="http://schemas.microsoft.com/office/drawing/2010/main" val="0"/>
-              </a:ext>
-            </a:extLst>
-          </a:blip>
-          <a:srcRect/>
-          <a:stretch>
-            <a:fillRect/>
-          </a:stretch>
-        </p:blipFill>
-        <p:spPr bwMode="auto">
-          <a:xfrm>
-            <a:off x="5066033" y="4931171"/>
-            <a:ext cx="1276098" cy="1018109"/>
-          </a:xfrm>
-          <a:prstGeom prst="rect">
-            <a:avLst/>
-          </a:prstGeom>
-          <a:noFill/>
-          <a:ln>
-            <a:noFill/>
-          </a:ln>
-          <a:extLst>
-            <a:ext uri="{909E8E84-426E-40DD-AFC4-6F175D3DCCD1}">
-              <a14:hiddenFill xmlns:a14="http://schemas.microsoft.com/office/drawing/2010/main">
-                <a:solidFill>
-                  <a:schemeClr val="accent1"/>
-                </a:solidFill>
-              </a14:hiddenFill>
-            </a:ext>
-            <a:ext uri="{91240B29-F687-4F45-9708-019B960494DF}">
-              <a14:hiddenLine xmlns:a14="http://schemas.microsoft.com/office/drawing/2010/main" w="9525">
-                <a:solidFill>
-                  <a:schemeClr val="tx1"/>
-                </a:solidFill>
-                <a:miter lim="800000"/>
-                <a:headEnd/>
-                <a:tailEnd/>
-              </a14:hiddenLine>
-            </a:ext>
-          </a:extLst>
-        </p:spPr>
-      </p:pic>
     </p:spTree>
     <p:extLst>
       <p:ext uri="{BB962C8B-B14F-4D97-AF65-F5344CB8AC3E}">
@@ -3771,6 +3669,184 @@
         </p:nvSpPr>
         <p:spPr/>
         <p:txBody>
+          <a:bodyPr/>
+          <a:lstStyle/>
+          <a:p>
+            <a:endParaRPr kumimoji="1" lang="ja-JP" altLang="en-US"/>
+          </a:p>
+        </p:txBody>
+      </p:sp>
+      <p:sp>
+        <p:nvSpPr>
+          <p:cNvPr id="3" name="コンテンツ プレースホルダー 2"/>
+          <p:cNvSpPr>
+            <a:spLocks noGrp="1"/>
+          </p:cNvSpPr>
+          <p:nvPr>
+            <p:ph idx="1"/>
+          </p:nvPr>
+        </p:nvSpPr>
+        <p:spPr/>
+        <p:txBody>
+          <a:bodyPr/>
+          <a:lstStyle/>
+          <a:p>
+            <a:endParaRPr kumimoji="1" lang="ja-JP" altLang="en-US"/>
+          </a:p>
+        </p:txBody>
+      </p:sp>
+      <p:pic>
+        <p:nvPicPr>
+          <p:cNvPr id="4" name="Picture 2"/>
+          <p:cNvPicPr>
+            <a:picLocks noChangeAspect="1" noChangeArrowheads="1"/>
+          </p:cNvPicPr>
+          <p:nvPr/>
+        </p:nvPicPr>
+        <p:blipFill>
+          <a:blip r:embed="rId2" cstate="print">
+            <a:extLst>
+              <a:ext uri="{28A0092B-C50C-407E-A947-70E740481C1C}">
+                <a14:useLocalDpi xmlns:a14="http://schemas.microsoft.com/office/drawing/2010/main" val="0"/>
+              </a:ext>
+            </a:extLst>
+          </a:blip>
+          <a:srcRect/>
+          <a:stretch>
+            <a:fillRect/>
+          </a:stretch>
+        </p:blipFill>
+        <p:spPr bwMode="auto">
+          <a:xfrm>
+            <a:off x="4932039" y="1700808"/>
+            <a:ext cx="2711617" cy="4256290"/>
+          </a:xfrm>
+          <a:prstGeom prst="rect">
+            <a:avLst/>
+          </a:prstGeom>
+          <a:noFill/>
+          <a:ln w="9525">
+            <a:solidFill>
+              <a:schemeClr val="tx1"/>
+            </a:solidFill>
+            <a:miter lim="800000"/>
+            <a:headEnd/>
+            <a:tailEnd/>
+          </a:ln>
+          <a:extLst>
+            <a:ext uri="{909E8E84-426E-40DD-AFC4-6F175D3DCCD1}">
+              <a14:hiddenFill xmlns:a14="http://schemas.microsoft.com/office/drawing/2010/main">
+                <a:solidFill>
+                  <a:schemeClr val="accent1"/>
+                </a:solidFill>
+              </a14:hiddenFill>
+            </a:ext>
+          </a:extLst>
+        </p:spPr>
+      </p:pic>
+      <p:pic>
+        <p:nvPicPr>
+          <p:cNvPr id="5" name="Picture 3"/>
+          <p:cNvPicPr>
+            <a:picLocks noChangeAspect="1" noChangeArrowheads="1"/>
+          </p:cNvPicPr>
+          <p:nvPr/>
+        </p:nvPicPr>
+        <p:blipFill>
+          <a:blip r:embed="rId3" cstate="print">
+            <a:extLst>
+              <a:ext uri="{28A0092B-C50C-407E-A947-70E740481C1C}">
+                <a14:useLocalDpi xmlns:a14="http://schemas.microsoft.com/office/drawing/2010/main" val="0"/>
+              </a:ext>
+            </a:extLst>
+          </a:blip>
+          <a:srcRect/>
+          <a:stretch>
+            <a:fillRect/>
+          </a:stretch>
+        </p:blipFill>
+        <p:spPr bwMode="auto">
+          <a:xfrm>
+            <a:off x="1547664" y="2995926"/>
+            <a:ext cx="2088232" cy="1666054"/>
+          </a:xfrm>
+          <a:prstGeom prst="rect">
+            <a:avLst/>
+          </a:prstGeom>
+          <a:noFill/>
+          <a:ln>
+            <a:noFill/>
+          </a:ln>
+          <a:extLst>
+            <a:ext uri="{909E8E84-426E-40DD-AFC4-6F175D3DCCD1}">
+              <a14:hiddenFill xmlns:a14="http://schemas.microsoft.com/office/drawing/2010/main">
+                <a:solidFill>
+                  <a:schemeClr val="accent1"/>
+                </a:solidFill>
+              </a14:hiddenFill>
+            </a:ext>
+            <a:ext uri="{91240B29-F687-4F45-9708-019B960494DF}">
+              <a14:hiddenLine xmlns:a14="http://schemas.microsoft.com/office/drawing/2010/main" w="9525">
+                <a:solidFill>
+                  <a:schemeClr val="tx1"/>
+                </a:solidFill>
+                <a:miter lim="800000"/>
+                <a:headEnd/>
+                <a:tailEnd/>
+              </a14:hiddenLine>
+            </a:ext>
+          </a:extLst>
+        </p:spPr>
+      </p:pic>
+    </p:spTree>
+    <p:extLst>
+      <p:ext uri="{BB962C8B-B14F-4D97-AF65-F5344CB8AC3E}">
+        <p14:creationId xmlns:p14="http://schemas.microsoft.com/office/powerpoint/2010/main" val="2803378419"/>
+      </p:ext>
+    </p:extLst>
+  </p:cSld>
+  <p:clrMapOvr>
+    <a:masterClrMapping/>
+  </p:clrMapOvr>
+  <p:timing>
+    <p:tnLst>
+      <p:par>
+        <p:cTn id="1" dur="indefinite" restart="never" nodeType="tmRoot"/>
+      </p:par>
+    </p:tnLst>
+  </p:timing>
+</p:sld>
+</file>
+
+<file path=ppt/slides/slide4.xml><?xml version="1.0" encoding="utf-8"?>
+<p:sld xmlns:a="http://schemas.openxmlformats.org/drawingml/2006/main" xmlns:r="http://schemas.openxmlformats.org/officeDocument/2006/relationships" xmlns:p="http://schemas.openxmlformats.org/presentationml/2006/main">
+  <p:cSld>
+    <p:spTree>
+      <p:nvGrpSpPr>
+        <p:cNvPr id="1" name=""/>
+        <p:cNvGrpSpPr/>
+        <p:nvPr/>
+      </p:nvGrpSpPr>
+      <p:grpSpPr>
+        <a:xfrm>
+          <a:off x="0" y="0"/>
+          <a:ext cx="0" cy="0"/>
+          <a:chOff x="0" y="0"/>
+          <a:chExt cx="0" cy="0"/>
+        </a:xfrm>
+      </p:grpSpPr>
+      <p:sp>
+        <p:nvSpPr>
+          <p:cNvPr id="2" name="タイトル 1"/>
+          <p:cNvSpPr>
+            <a:spLocks noGrp="1"/>
+          </p:cNvSpPr>
+          <p:nvPr>
+            <p:ph type="title"/>
+          </p:nvPr>
+        </p:nvSpPr>
+        <p:spPr/>
+        <p:txBody>
           <a:bodyPr>
             <a:normAutofit fontScale="90000"/>
           </a:bodyPr>
@@ -3834,11 +3910,7 @@
             </a:br>
             <a:r>
               <a:rPr lang="ja-JP" altLang="en-US" sz="2800" smtClean="0"/>
-              <a:t>助け合うことができる</a:t>
-            </a:r>
-            <a:r>
-              <a:rPr lang="ja-JP" altLang="en-US" sz="2800" smtClean="0"/>
-              <a:t>。</a:t>
+              <a:t>助け合うことができる。</a:t>
             </a:r>
             <a:endParaRPr lang="en-US" altLang="ja-JP" sz="2800" smtClean="0"/>
           </a:p>
@@ -4401,7 +4473,7 @@
 </p:sld>
 </file>
 
-<file path=ppt/slides/slide4.xml><?xml version="1.0" encoding="utf-8"?>
+<file path=ppt/slides/slide5.xml><?xml version="1.0" encoding="utf-8"?>
 <p:sld xmlns:a="http://schemas.openxmlformats.org/drawingml/2006/main" xmlns:r="http://schemas.openxmlformats.org/officeDocument/2006/relationships" xmlns:p="http://schemas.openxmlformats.org/presentationml/2006/main">
   <p:cSld>
     <p:spTree>
@@ -5655,7 +5727,7 @@
         <p:spPr>
           <a:xfrm>
             <a:off x="2240186" y="4178931"/>
-            <a:ext cx="1618392" cy="1200329"/>
+            <a:ext cx="1572354" cy="1200329"/>
           </a:xfrm>
           <a:prstGeom prst="rect">
             <a:avLst/>
@@ -5688,8 +5760,9 @@
             </a:r>
             <a:r>
               <a:rPr lang="en-US" altLang="ja-JP" smtClean="0"/>
-              <a:t>TechToSpeech</a:t>
-            </a:r>
+              <a:t>TextToSpeech</a:t>
+            </a:r>
+            <a:endParaRPr lang="en-US" altLang="ja-JP" smtClean="0"/>
           </a:p>
           <a:p>
             <a:r>
@@ -5952,7 +6025,7 @@
 </p:sld>
 </file>
 
-<file path=ppt/slides/slide5.xml><?xml version="1.0" encoding="utf-8"?>
+<file path=ppt/slides/slide6.xml><?xml version="1.0" encoding="utf-8"?>
 <p:sld xmlns:a="http://schemas.openxmlformats.org/drawingml/2006/main" xmlns:r="http://schemas.openxmlformats.org/officeDocument/2006/relationships" xmlns:p="http://schemas.openxmlformats.org/presentationml/2006/main">
   <p:cSld>
     <p:spTree>
@@ -6289,7 +6362,7 @@
 </p:sld>
 </file>
 
-<file path=ppt/slides/slide6.xml><?xml version="1.0" encoding="utf-8"?>
+<file path=ppt/slides/slide7.xml><?xml version="1.0" encoding="utf-8"?>
 <p:sld xmlns:a="http://schemas.openxmlformats.org/drawingml/2006/main" xmlns:r="http://schemas.openxmlformats.org/officeDocument/2006/relationships" xmlns:p="http://schemas.openxmlformats.org/presentationml/2006/main">
   <p:cSld>
     <p:spTree>
@@ -7121,7 +7194,7 @@
 </p:sld>
 </file>
 
-<file path=ppt/slides/slide7.xml><?xml version="1.0" encoding="utf-8"?>
+<file path=ppt/slides/slide8.xml><?xml version="1.0" encoding="utf-8"?>
 <p:sld xmlns:a="http://schemas.openxmlformats.org/drawingml/2006/main" xmlns:r="http://schemas.openxmlformats.org/officeDocument/2006/relationships" xmlns:p="http://schemas.openxmlformats.org/presentationml/2006/main">
   <p:cSld>
     <p:spTree>
@@ -8393,7 +8466,7 @@
 </p:sld>
 </file>
 
-<file path=ppt/slides/slide8.xml><?xml version="1.0" encoding="utf-8"?>
+<file path=ppt/slides/slide9.xml><?xml version="1.0" encoding="utf-8"?>
 <p:sld xmlns:a="http://schemas.openxmlformats.org/drawingml/2006/main" xmlns:r="http://schemas.openxmlformats.org/officeDocument/2006/relationships" xmlns:p="http://schemas.openxmlformats.org/presentationml/2006/main">
   <p:cSld>
     <p:spTree>
